--- a/Perifériák_KK.pptx
+++ b/Perifériák_KK.pptx
@@ -13,11 +13,12 @@
     <p:sldId id="261" r:id="rId7"/>
     <p:sldId id="266" r:id="rId8"/>
     <p:sldId id="267" r:id="rId9"/>
-    <p:sldId id="262" r:id="rId10"/>
-    <p:sldId id="268" r:id="rId11"/>
-    <p:sldId id="269" r:id="rId12"/>
-    <p:sldId id="263" r:id="rId13"/>
-    <p:sldId id="264" r:id="rId14"/>
+    <p:sldId id="270" r:id="rId10"/>
+    <p:sldId id="262" r:id="rId11"/>
+    <p:sldId id="268" r:id="rId12"/>
+    <p:sldId id="269" r:id="rId13"/>
+    <p:sldId id="263" r:id="rId14"/>
+    <p:sldId id="264" r:id="rId15"/>
   </p:sldIdLst>
   <p:sldSz cx="12192000" cy="6858000"/>
   <p:notesSz cx="6858000" cy="9144000"/>
@@ -129,6 +130,7 @@
             <p14:sldId id="261"/>
             <p14:sldId id="266"/>
             <p14:sldId id="267"/>
+            <p14:sldId id="270"/>
             <p14:sldId id="262"/>
             <p14:sldId id="268"/>
             <p14:sldId id="269"/>
@@ -358,7 +360,7 @@
           <a:p>
             <a:fld id="{EEF927F4-0A78-4353-8E4C-17EF62EAB8A0}" type="datetimeFigureOut">
               <a:rPr lang="hu-HU" smtClean="0"/>
-              <a:t>2022.09.15.</a:t>
+              <a:t>2022.09.16.</a:t>
             </a:fld>
             <a:endParaRPr lang="hu-HU"/>
           </a:p>
@@ -649,7 +651,7 @@
           <a:p>
             <a:fld id="{EEF927F4-0A78-4353-8E4C-17EF62EAB8A0}" type="datetimeFigureOut">
               <a:rPr lang="hu-HU" smtClean="0"/>
-              <a:t>2022.09.15.</a:t>
+              <a:t>2022.09.16.</a:t>
             </a:fld>
             <a:endParaRPr lang="hu-HU"/>
           </a:p>
@@ -908,7 +910,7 @@
           <a:p>
             <a:fld id="{EEF927F4-0A78-4353-8E4C-17EF62EAB8A0}" type="datetimeFigureOut">
               <a:rPr lang="hu-HU" smtClean="0"/>
-              <a:t>2022.09.15.</a:t>
+              <a:t>2022.09.16.</a:t>
             </a:fld>
             <a:endParaRPr lang="hu-HU"/>
           </a:p>
@@ -1377,7 +1379,7 @@
           <a:p>
             <a:fld id="{EEF927F4-0A78-4353-8E4C-17EF62EAB8A0}" type="datetimeFigureOut">
               <a:rPr lang="hu-HU" smtClean="0"/>
-              <a:t>2022.09.15.</a:t>
+              <a:t>2022.09.16.</a:t>
             </a:fld>
             <a:endParaRPr lang="hu-HU"/>
           </a:p>
@@ -1557,7 +1559,7 @@
           <a:p>
             <a:fld id="{EEF927F4-0A78-4353-8E4C-17EF62EAB8A0}" type="datetimeFigureOut">
               <a:rPr lang="hu-HU" smtClean="0"/>
-              <a:t>2022.09.15.</a:t>
+              <a:t>2022.09.16.</a:t>
             </a:fld>
             <a:endParaRPr lang="hu-HU"/>
           </a:p>
@@ -2133,7 +2135,7 @@
           <a:p>
             <a:fld id="{EEF927F4-0A78-4353-8E4C-17EF62EAB8A0}" type="datetimeFigureOut">
               <a:rPr lang="hu-HU" smtClean="0"/>
-              <a:t>2022.09.15.</a:t>
+              <a:t>2022.09.16.</a:t>
             </a:fld>
             <a:endParaRPr lang="hu-HU"/>
           </a:p>
@@ -2465,7 +2467,7 @@
           <a:p>
             <a:fld id="{EEF927F4-0A78-4353-8E4C-17EF62EAB8A0}" type="datetimeFigureOut">
               <a:rPr lang="hu-HU" smtClean="0"/>
-              <a:t>2022.09.15.</a:t>
+              <a:t>2022.09.16.</a:t>
             </a:fld>
             <a:endParaRPr lang="hu-HU"/>
           </a:p>
@@ -2640,7 +2642,7 @@
           <a:p>
             <a:fld id="{EEF927F4-0A78-4353-8E4C-17EF62EAB8A0}" type="datetimeFigureOut">
               <a:rPr lang="hu-HU" smtClean="0"/>
-              <a:t>2022.09.15.</a:t>
+              <a:t>2022.09.16.</a:t>
             </a:fld>
             <a:endParaRPr lang="hu-HU"/>
           </a:p>
@@ -2820,7 +2822,7 @@
           <a:p>
             <a:fld id="{EEF927F4-0A78-4353-8E4C-17EF62EAB8A0}" type="datetimeFigureOut">
               <a:rPr lang="hu-HU" smtClean="0"/>
-              <a:t>2022.09.15.</a:t>
+              <a:t>2022.09.16.</a:t>
             </a:fld>
             <a:endParaRPr lang="hu-HU"/>
           </a:p>
@@ -2990,7 +2992,7 @@
           <a:p>
             <a:fld id="{EEF927F4-0A78-4353-8E4C-17EF62EAB8A0}" type="datetimeFigureOut">
               <a:rPr lang="hu-HU" smtClean="0"/>
-              <a:t>2022.09.15.</a:t>
+              <a:t>2022.09.16.</a:t>
             </a:fld>
             <a:endParaRPr lang="hu-HU"/>
           </a:p>
@@ -3247,7 +3249,7 @@
           <a:p>
             <a:fld id="{EEF927F4-0A78-4353-8E4C-17EF62EAB8A0}" type="datetimeFigureOut">
               <a:rPr lang="hu-HU" smtClean="0"/>
-              <a:t>2022.09.15.</a:t>
+              <a:t>2022.09.16.</a:t>
             </a:fld>
             <a:endParaRPr lang="hu-HU"/>
           </a:p>
@@ -3539,7 +3541,7 @@
           <a:p>
             <a:fld id="{EEF927F4-0A78-4353-8E4C-17EF62EAB8A0}" type="datetimeFigureOut">
               <a:rPr lang="hu-HU" smtClean="0"/>
-              <a:t>2022.09.15.</a:t>
+              <a:t>2022.09.16.</a:t>
             </a:fld>
             <a:endParaRPr lang="hu-HU"/>
           </a:p>
@@ -3969,7 +3971,7 @@
           <a:p>
             <a:fld id="{EEF927F4-0A78-4353-8E4C-17EF62EAB8A0}" type="datetimeFigureOut">
               <a:rPr lang="hu-HU" smtClean="0"/>
-              <a:t>2022.09.15.</a:t>
+              <a:t>2022.09.16.</a:t>
             </a:fld>
             <a:endParaRPr lang="hu-HU"/>
           </a:p>
@@ -4087,7 +4089,7 @@
           <a:p>
             <a:fld id="{EEF927F4-0A78-4353-8E4C-17EF62EAB8A0}" type="datetimeFigureOut">
               <a:rPr lang="hu-HU" smtClean="0"/>
-              <a:t>2022.09.15.</a:t>
+              <a:t>2022.09.16.</a:t>
             </a:fld>
             <a:endParaRPr lang="hu-HU"/>
           </a:p>
@@ -4182,7 +4184,7 @@
           <a:p>
             <a:fld id="{EEF927F4-0A78-4353-8E4C-17EF62EAB8A0}" type="datetimeFigureOut">
               <a:rPr lang="hu-HU" smtClean="0"/>
-              <a:t>2022.09.15.</a:t>
+              <a:t>2022.09.16.</a:t>
             </a:fld>
             <a:endParaRPr lang="hu-HU"/>
           </a:p>
@@ -4465,7 +4467,7 @@
           <a:p>
             <a:fld id="{EEF927F4-0A78-4353-8E4C-17EF62EAB8A0}" type="datetimeFigureOut">
               <a:rPr lang="hu-HU" smtClean="0"/>
-              <a:t>2022.09.15.</a:t>
+              <a:t>2022.09.16.</a:t>
             </a:fld>
             <a:endParaRPr lang="hu-HU"/>
           </a:p>
@@ -4756,7 +4758,7 @@
           <a:p>
             <a:fld id="{EEF927F4-0A78-4353-8E4C-17EF62EAB8A0}" type="datetimeFigureOut">
               <a:rPr lang="hu-HU" smtClean="0"/>
-              <a:t>2022.09.15.</a:t>
+              <a:t>2022.09.16.</a:t>
             </a:fld>
             <a:endParaRPr lang="hu-HU"/>
           </a:p>
@@ -4987,7 +4989,7 @@
           <a:p>
             <a:fld id="{EEF927F4-0A78-4353-8E4C-17EF62EAB8A0}" type="datetimeFigureOut">
               <a:rPr lang="hu-HU" smtClean="0"/>
-              <a:t>2022.09.15.</a:t>
+              <a:t>2022.09.16.</a:t>
             </a:fld>
             <a:endParaRPr lang="hu-HU"/>
           </a:p>
@@ -5801,8 +5803,8 @@
         </p:nvSpPr>
         <p:spPr>
           <a:xfrm>
-            <a:off x="2447923" y="1876424"/>
-            <a:ext cx="7820027" cy="1590675"/>
+            <a:off x="1999036" y="2026053"/>
+            <a:ext cx="8350310" cy="1590675"/>
           </a:xfrm>
         </p:spPr>
         <p:txBody>
@@ -5812,7 +5814,7 @@
           <a:lstStyle/>
           <a:p>
             <a:r>
-              <a:rPr lang="hu-HU" sz="8000" b="1" spc="600" dirty="0" smtClean="0">
+              <a:rPr lang="hu-HU" sz="8800" b="1" spc="600" dirty="0" smtClean="0">
                 <a:effectLst>
                   <a:outerShdw blurRad="38100" dist="38100" dir="2700000" algn="tl">
                     <a:srgbClr val="000000">
@@ -5883,6 +5885,169 @@
 </file>
 
 <file path=ppt/slides/slide10.xml><?xml version="1.0" encoding="utf-8"?>
+<p:sld xmlns:a="http://schemas.openxmlformats.org/drawingml/2006/main" xmlns:r="http://schemas.openxmlformats.org/officeDocument/2006/relationships" xmlns:p="http://schemas.openxmlformats.org/presentationml/2006/main">
+  <p:cSld>
+    <p:spTree>
+      <p:nvGrpSpPr>
+        <p:cNvPr id="1" name=""/>
+        <p:cNvGrpSpPr/>
+        <p:nvPr/>
+      </p:nvGrpSpPr>
+      <p:grpSpPr>
+        <a:xfrm>
+          <a:off x="0" y="0"/>
+          <a:ext cx="0" cy="0"/>
+          <a:chOff x="0" y="0"/>
+          <a:chExt cx="0" cy="0"/>
+        </a:xfrm>
+      </p:grpSpPr>
+      <p:sp>
+        <p:nvSpPr>
+          <p:cNvPr id="2" name="Cím 1"/>
+          <p:cNvSpPr>
+            <a:spLocks noGrp="1"/>
+          </p:cNvSpPr>
+          <p:nvPr>
+            <p:ph type="title"/>
+          </p:nvPr>
+        </p:nvSpPr>
+        <p:spPr>
+          <a:xfrm>
+            <a:off x="1141413" y="383776"/>
+            <a:ext cx="2873634" cy="856346"/>
+          </a:xfrm>
+        </p:spPr>
+        <p:txBody>
+          <a:bodyPr>
+            <a:normAutofit/>
+          </a:bodyPr>
+          <a:lstStyle/>
+          <a:p>
+            <a:r>
+              <a:rPr lang="hu-HU" sz="4000" dirty="0" smtClean="0">
+                <a:latin typeface="Times New Roman" panose="02020603050405020304" pitchFamily="18" charset="0"/>
+                <a:cs typeface="Times New Roman" panose="02020603050405020304" pitchFamily="18" charset="0"/>
+              </a:rPr>
+              <a:t>Kimeneti</a:t>
+            </a:r>
+            <a:endParaRPr lang="hu-HU" sz="4000" dirty="0">
+              <a:latin typeface="Times New Roman" panose="02020603050405020304" pitchFamily="18" charset="0"/>
+              <a:cs typeface="Times New Roman" panose="02020603050405020304" pitchFamily="18" charset="0"/>
+            </a:endParaRPr>
+          </a:p>
+        </p:txBody>
+      </p:sp>
+      <p:pic>
+        <p:nvPicPr>
+          <p:cNvPr id="4" name="Tartalom helye 3"/>
+          <p:cNvPicPr>
+            <a:picLocks noGrp="1" noChangeAspect="1"/>
+          </p:cNvPicPr>
+          <p:nvPr>
+            <p:ph idx="1"/>
+          </p:nvPr>
+        </p:nvPicPr>
+        <p:blipFill>
+          <a:blip r:embed="rId2" cstate="print">
+            <a:extLst>
+              <a:ext uri="{28A0092B-C50C-407E-A947-70E740481C1C}">
+                <a14:useLocalDpi xmlns:a14="http://schemas.microsoft.com/office/drawing/2010/main" val="0"/>
+              </a:ext>
+            </a:extLst>
+          </a:blip>
+          <a:stretch>
+            <a:fillRect/>
+          </a:stretch>
+        </p:blipFill>
+        <p:spPr>
+          <a:xfrm>
+            <a:off x="241315" y="3858126"/>
+            <a:ext cx="5678221" cy="2725629"/>
+          </a:xfrm>
+        </p:spPr>
+      </p:pic>
+      <p:sp>
+        <p:nvSpPr>
+          <p:cNvPr id="5" name="Téglalap 4"/>
+          <p:cNvSpPr/>
+          <p:nvPr/>
+        </p:nvSpPr>
+        <p:spPr>
+          <a:xfrm>
+            <a:off x="1141413" y="2010515"/>
+            <a:ext cx="7952711" cy="1077218"/>
+          </a:xfrm>
+          <a:prstGeom prst="rect">
+            <a:avLst/>
+          </a:prstGeom>
+        </p:spPr>
+        <p:txBody>
+          <a:bodyPr wrap="square">
+            <a:spAutoFit/>
+          </a:bodyPr>
+          <a:lstStyle/>
+          <a:p>
+            <a:r>
+              <a:rPr lang="hu-HU" sz="3200" dirty="0">
+                <a:latin typeface="Times New Roman" panose="02020603050405020304" pitchFamily="18" charset="0"/>
+                <a:cs typeface="Times New Roman" panose="02020603050405020304" pitchFamily="18" charset="0"/>
+              </a:rPr>
+              <a:t>Ezeknek a perifériáknak köszönhetően jelenik meg az információ a számunkra.</a:t>
+            </a:r>
+          </a:p>
+        </p:txBody>
+      </p:sp>
+      <p:pic>
+        <p:nvPicPr>
+          <p:cNvPr id="6" name="Kép 5"/>
+          <p:cNvPicPr>
+            <a:picLocks noChangeAspect="1"/>
+          </p:cNvPicPr>
+          <p:nvPr/>
+        </p:nvPicPr>
+        <p:blipFill>
+          <a:blip r:embed="rId3">
+            <a:extLst>
+              <a:ext uri="{28A0092B-C50C-407E-A947-70E740481C1C}">
+                <a14:useLocalDpi xmlns:a14="http://schemas.microsoft.com/office/drawing/2010/main" val="0"/>
+              </a:ext>
+            </a:extLst>
+          </a:blip>
+          <a:stretch>
+            <a:fillRect/>
+          </a:stretch>
+        </p:blipFill>
+        <p:spPr>
+          <a:xfrm>
+            <a:off x="6924853" y="3274683"/>
+            <a:ext cx="4938284" cy="3309072"/>
+          </a:xfrm>
+          <a:prstGeom prst="rect">
+            <a:avLst/>
+          </a:prstGeom>
+        </p:spPr>
+      </p:pic>
+    </p:spTree>
+    <p:extLst>
+      <p:ext uri="{BB962C8B-B14F-4D97-AF65-F5344CB8AC3E}">
+        <p14:creationId xmlns:p14="http://schemas.microsoft.com/office/powerpoint/2010/main" val="1122758313"/>
+      </p:ext>
+    </p:extLst>
+  </p:cSld>
+  <p:clrMapOvr>
+    <a:masterClrMapping/>
+  </p:clrMapOvr>
+  <p:timing>
+    <p:tnLst>
+      <p:par>
+        <p:cTn id="1" dur="indefinite" restart="never" nodeType="tmRoot"/>
+      </p:par>
+    </p:tnLst>
+  </p:timing>
+</p:sld>
+</file>
+
+<file path=ppt/slides/slide11.xml><?xml version="1.0" encoding="utf-8"?>
 <p:sld xmlns:a="http://schemas.openxmlformats.org/drawingml/2006/main" xmlns:r="http://schemas.openxmlformats.org/officeDocument/2006/relationships" xmlns:p="http://schemas.openxmlformats.org/presentationml/2006/main">
   <p:cSld>
     <p:spTree>
@@ -6020,149 +6185,6 @@
 </p:sld>
 </file>
 
-<file path=ppt/slides/slide11.xml><?xml version="1.0" encoding="utf-8"?>
-<p:sld xmlns:a="http://schemas.openxmlformats.org/drawingml/2006/main" xmlns:r="http://schemas.openxmlformats.org/officeDocument/2006/relationships" xmlns:p="http://schemas.openxmlformats.org/presentationml/2006/main">
-  <p:cSld>
-    <p:spTree>
-      <p:nvGrpSpPr>
-        <p:cNvPr id="1" name=""/>
-        <p:cNvGrpSpPr/>
-        <p:nvPr/>
-      </p:nvGrpSpPr>
-      <p:grpSpPr>
-        <a:xfrm>
-          <a:off x="0" y="0"/>
-          <a:ext cx="0" cy="0"/>
-          <a:chOff x="0" y="0"/>
-          <a:chExt cx="0" cy="0"/>
-        </a:xfrm>
-      </p:grpSpPr>
-      <p:sp>
-        <p:nvSpPr>
-          <p:cNvPr id="2" name="Cím 1"/>
-          <p:cNvSpPr>
-            <a:spLocks noGrp="1"/>
-          </p:cNvSpPr>
-          <p:nvPr>
-            <p:ph type="title"/>
-          </p:nvPr>
-        </p:nvSpPr>
-        <p:spPr>
-          <a:xfrm>
-            <a:off x="1124787" y="125814"/>
-            <a:ext cx="9905998" cy="1905000"/>
-          </a:xfrm>
-        </p:spPr>
-        <p:txBody>
-          <a:bodyPr/>
-          <a:lstStyle/>
-          <a:p>
-            <a:r>
-              <a:rPr lang="hu-HU" dirty="0" smtClean="0"/>
-              <a:t>Hangszórók</a:t>
-            </a:r>
-            <a:endParaRPr lang="hu-HU" dirty="0"/>
-          </a:p>
-        </p:txBody>
-      </p:sp>
-      <p:pic>
-        <p:nvPicPr>
-          <p:cNvPr id="6" name="Tartalom helye 5"/>
-          <p:cNvPicPr>
-            <a:picLocks noGrp="1" noChangeAspect="1"/>
-          </p:cNvPicPr>
-          <p:nvPr>
-            <p:ph idx="1"/>
-          </p:nvPr>
-        </p:nvPicPr>
-        <p:blipFill>
-          <a:blip r:embed="rId2">
-            <a:extLst>
-              <a:ext uri="{28A0092B-C50C-407E-A947-70E740481C1C}">
-                <a14:useLocalDpi xmlns:a14="http://schemas.microsoft.com/office/drawing/2010/main" val="0"/>
-              </a:ext>
-            </a:extLst>
-          </a:blip>
-          <a:stretch>
-            <a:fillRect/>
-          </a:stretch>
-        </p:blipFill>
-        <p:spPr>
-          <a:xfrm>
-            <a:off x="5513469" y="2917767"/>
-            <a:ext cx="6124599" cy="3447011"/>
-          </a:xfrm>
-        </p:spPr>
-      </p:pic>
-      <p:sp>
-        <p:nvSpPr>
-          <p:cNvPr id="7" name="Téglalap 6"/>
-          <p:cNvSpPr/>
-          <p:nvPr/>
-        </p:nvSpPr>
-        <p:spPr>
-          <a:xfrm>
-            <a:off x="1124787" y="1601621"/>
-            <a:ext cx="6096000" cy="1200329"/>
-          </a:xfrm>
-          <a:prstGeom prst="rect">
-            <a:avLst/>
-          </a:prstGeom>
-        </p:spPr>
-        <p:txBody>
-          <a:bodyPr>
-            <a:spAutoFit/>
-          </a:bodyPr>
-          <a:lstStyle/>
-          <a:p>
-            <a:r>
-              <a:rPr lang="hu-HU" b="1" dirty="0"/>
-              <a:t>Hangszórónak</a:t>
-            </a:r>
-            <a:r>
-              <a:rPr lang="hu-HU" dirty="0"/>
-              <a:t> nevezzük azokat az </a:t>
-            </a:r>
-            <a:r>
-              <a:rPr lang="hu-HU" dirty="0" smtClean="0"/>
-              <a:t>elektronikai</a:t>
-            </a:r>
-            <a:r>
-              <a:rPr lang="hu-HU" dirty="0"/>
-              <a:t> eszközöket, amelyek elektromos jelet hallható </a:t>
-            </a:r>
-            <a:r>
-              <a:rPr lang="hu-HU" dirty="0" smtClean="0"/>
-              <a:t>hanggá</a:t>
-            </a:r>
-            <a:r>
-              <a:rPr lang="hu-HU" dirty="0"/>
-              <a:t> alakítanak. Az aktív hangszórók jelerősítő elektronikával vannak egybeépítve.</a:t>
-            </a:r>
-            <a:endParaRPr lang="hu-HU" dirty="0"/>
-          </a:p>
-        </p:txBody>
-      </p:sp>
-    </p:spTree>
-    <p:extLst>
-      <p:ext uri="{BB962C8B-B14F-4D97-AF65-F5344CB8AC3E}">
-        <p14:creationId xmlns:p14="http://schemas.microsoft.com/office/powerpoint/2010/main" val="957930634"/>
-      </p:ext>
-    </p:extLst>
-  </p:cSld>
-  <p:clrMapOvr>
-    <a:masterClrMapping/>
-  </p:clrMapOvr>
-  <p:timing>
-    <p:tnLst>
-      <p:par>
-        <p:cTn id="1" dur="indefinite" restart="never" nodeType="tmRoot"/>
-      </p:par>
-    </p:tnLst>
-  </p:timing>
-</p:sld>
-</file>
-
 <file path=ppt/slides/slide12.xml><?xml version="1.0" encoding="utf-8"?>
 <p:sld xmlns:a="http://schemas.openxmlformats.org/drawingml/2006/main" xmlns:r="http://schemas.openxmlformats.org/officeDocument/2006/relationships" xmlns:p="http://schemas.openxmlformats.org/presentationml/2006/main">
   <p:cSld>
@@ -6190,84 +6212,131 @@
             <p:ph type="title"/>
           </p:nvPr>
         </p:nvSpPr>
-        <p:spPr/>
-        <p:txBody>
-          <a:bodyPr/>
+        <p:spPr>
+          <a:xfrm>
+            <a:off x="1124786" y="358570"/>
+            <a:ext cx="5816341" cy="838462"/>
+          </a:xfrm>
+        </p:spPr>
+        <p:txBody>
+          <a:bodyPr>
+            <a:normAutofit/>
+          </a:bodyPr>
           <a:lstStyle/>
           <a:p>
             <a:r>
-              <a:rPr lang="hu-HU" dirty="0" smtClean="0"/>
-              <a:t>Források</a:t>
-            </a:r>
-            <a:endParaRPr lang="hu-HU" dirty="0"/>
-          </a:p>
-        </p:txBody>
-      </p:sp>
-      <p:sp>
-        <p:nvSpPr>
-          <p:cNvPr id="3" name="Tartalom helye 2"/>
-          <p:cNvSpPr>
-            <a:spLocks noGrp="1"/>
-          </p:cNvSpPr>
+              <a:rPr lang="hu-HU" sz="4000" dirty="0" smtClean="0">
+                <a:latin typeface="Times New Roman" panose="02020603050405020304" pitchFamily="18" charset="0"/>
+                <a:cs typeface="Times New Roman" panose="02020603050405020304" pitchFamily="18" charset="0"/>
+              </a:rPr>
+              <a:t>Hangszórók</a:t>
+            </a:r>
+            <a:endParaRPr lang="hu-HU" sz="4000" dirty="0">
+              <a:latin typeface="Times New Roman" panose="02020603050405020304" pitchFamily="18" charset="0"/>
+              <a:cs typeface="Times New Roman" panose="02020603050405020304" pitchFamily="18" charset="0"/>
+            </a:endParaRPr>
+          </a:p>
+        </p:txBody>
+      </p:sp>
+      <p:pic>
+        <p:nvPicPr>
+          <p:cNvPr id="6" name="Tartalom helye 5"/>
+          <p:cNvPicPr>
+            <a:picLocks noGrp="1" noChangeAspect="1"/>
+          </p:cNvPicPr>
           <p:nvPr>
             <p:ph idx="1"/>
           </p:nvPr>
-        </p:nvSpPr>
-        <p:spPr/>
-        <p:txBody>
-          <a:bodyPr/>
+        </p:nvPicPr>
+        <p:blipFill>
+          <a:blip r:embed="rId2">
+            <a:extLst>
+              <a:ext uri="{28A0092B-C50C-407E-A947-70E740481C1C}">
+                <a14:useLocalDpi xmlns:a14="http://schemas.microsoft.com/office/drawing/2010/main" val="0"/>
+              </a:ext>
+            </a:extLst>
+          </a:blip>
+          <a:stretch>
+            <a:fillRect/>
+          </a:stretch>
+        </p:blipFill>
+        <p:spPr>
+          <a:xfrm>
+            <a:off x="5654785" y="3622999"/>
+            <a:ext cx="5226031" cy="2941284"/>
+          </a:xfrm>
+        </p:spPr>
+      </p:pic>
+      <p:sp>
+        <p:nvSpPr>
+          <p:cNvPr id="7" name="Téglalap 6"/>
+          <p:cNvSpPr/>
+          <p:nvPr/>
+        </p:nvSpPr>
+        <p:spPr>
+          <a:xfrm>
+            <a:off x="1124786" y="1601621"/>
+            <a:ext cx="7379133" cy="2246769"/>
+          </a:xfrm>
+          <a:prstGeom prst="rect">
+            <a:avLst/>
+          </a:prstGeom>
+        </p:spPr>
+        <p:txBody>
+          <a:bodyPr wrap="square">
+            <a:spAutoFit/>
+          </a:bodyPr>
           <a:lstStyle/>
           <a:p>
             <a:r>
-              <a:rPr lang="hu-HU" dirty="0" smtClean="0">
-                <a:hlinkClick r:id="rId2"/>
+              <a:rPr lang="hu-HU" sz="2800" b="1" dirty="0">
+                <a:latin typeface="Times New Roman" panose="02020603050405020304" pitchFamily="18" charset="0"/>
+                <a:cs typeface="Times New Roman" panose="02020603050405020304" pitchFamily="18" charset="0"/>
               </a:rPr>
-              <a:t>https://hu.wikipedia.org/wiki/Perif%C3%A9ria_(hardver)</a:t>
-            </a:r>
-            <a:endParaRPr lang="hu-HU" dirty="0" smtClean="0"/>
-          </a:p>
-          <a:p>
-            <a:r>
-              <a:rPr lang="hu-HU" dirty="0">
-                <a:hlinkClick r:id="rId3"/>
+              <a:t>Hangszórónak</a:t>
+            </a:r>
+            <a:r>
+              <a:rPr lang="hu-HU" sz="2800" dirty="0">
+                <a:latin typeface="Times New Roman" panose="02020603050405020304" pitchFamily="18" charset="0"/>
+                <a:cs typeface="Times New Roman" panose="02020603050405020304" pitchFamily="18" charset="0"/>
               </a:rPr>
-              <a:t>https://</a:t>
-            </a:r>
-            <a:r>
-              <a:rPr lang="hu-HU" dirty="0" smtClean="0">
-                <a:hlinkClick r:id="rId3"/>
+              <a:t> nevezzük azokat az </a:t>
+            </a:r>
+            <a:r>
+              <a:rPr lang="hu-HU" sz="2800" dirty="0" smtClean="0">
+                <a:latin typeface="Times New Roman" panose="02020603050405020304" pitchFamily="18" charset="0"/>
+                <a:cs typeface="Times New Roman" panose="02020603050405020304" pitchFamily="18" charset="0"/>
               </a:rPr>
-              <a:t>hu.wikipedia.org/wiki/Merevlemez</a:t>
-            </a:r>
-            <a:endParaRPr lang="hu-HU" dirty="0" smtClean="0"/>
-          </a:p>
-          <a:p>
-            <a:r>
-              <a:rPr lang="hu-HU" dirty="0">
-                <a:hlinkClick r:id="rId4"/>
+              <a:t>elektronikai</a:t>
+            </a:r>
+            <a:r>
+              <a:rPr lang="hu-HU" sz="2800" dirty="0">
+                <a:latin typeface="Times New Roman" panose="02020603050405020304" pitchFamily="18" charset="0"/>
+                <a:cs typeface="Times New Roman" panose="02020603050405020304" pitchFamily="18" charset="0"/>
               </a:rPr>
-              <a:t>https://</a:t>
-            </a:r>
-            <a:r>
-              <a:rPr lang="hu-HU" dirty="0" smtClean="0">
-                <a:hlinkClick r:id="rId4"/>
+              <a:t> eszközöket, amelyek elektromos jelet hallható </a:t>
+            </a:r>
+            <a:r>
+              <a:rPr lang="hu-HU" sz="2800" dirty="0" smtClean="0">
+                <a:latin typeface="Times New Roman" panose="02020603050405020304" pitchFamily="18" charset="0"/>
+                <a:cs typeface="Times New Roman" panose="02020603050405020304" pitchFamily="18" charset="0"/>
               </a:rPr>
-              <a:t>www.dvdolcson.eu/bemeneti-es-kimeneti-periferiak</a:t>
-            </a:r>
-            <a:endParaRPr lang="hu-HU" dirty="0" smtClean="0"/>
-          </a:p>
-          <a:p>
-            <a:endParaRPr lang="hu-HU" dirty="0" smtClean="0"/>
-          </a:p>
-          <a:p>
-            <a:endParaRPr lang="hu-HU" dirty="0"/>
+              <a:t>hanggá</a:t>
+            </a:r>
+            <a:r>
+              <a:rPr lang="hu-HU" sz="2800" dirty="0">
+                <a:latin typeface="Times New Roman" panose="02020603050405020304" pitchFamily="18" charset="0"/>
+                <a:cs typeface="Times New Roman" panose="02020603050405020304" pitchFamily="18" charset="0"/>
+              </a:rPr>
+              <a:t> alakítanak. Az aktív hangszórók jelerősítő elektronikával vannak egybeépítve.</a:t>
+            </a:r>
           </a:p>
         </p:txBody>
       </p:sp>
     </p:spTree>
     <p:extLst>
       <p:ext uri="{BB962C8B-B14F-4D97-AF65-F5344CB8AC3E}">
-        <p14:creationId xmlns:p14="http://schemas.microsoft.com/office/powerpoint/2010/main" val="266278938"/>
+        <p14:creationId xmlns:p14="http://schemas.microsoft.com/office/powerpoint/2010/main" val="957930634"/>
       </p:ext>
     </p:extLst>
   </p:cSld>
@@ -6311,6 +6380,127 @@
             <p:ph type="title"/>
           </p:nvPr>
         </p:nvSpPr>
+        <p:spPr/>
+        <p:txBody>
+          <a:bodyPr/>
+          <a:lstStyle/>
+          <a:p>
+            <a:r>
+              <a:rPr lang="hu-HU" dirty="0" smtClean="0"/>
+              <a:t>Források</a:t>
+            </a:r>
+            <a:endParaRPr lang="hu-HU" dirty="0"/>
+          </a:p>
+        </p:txBody>
+      </p:sp>
+      <p:sp>
+        <p:nvSpPr>
+          <p:cNvPr id="3" name="Tartalom helye 2"/>
+          <p:cNvSpPr>
+            <a:spLocks noGrp="1"/>
+          </p:cNvSpPr>
+          <p:nvPr>
+            <p:ph idx="1"/>
+          </p:nvPr>
+        </p:nvSpPr>
+        <p:spPr/>
+        <p:txBody>
+          <a:bodyPr/>
+          <a:lstStyle/>
+          <a:p>
+            <a:r>
+              <a:rPr lang="hu-HU" dirty="0" smtClean="0">
+                <a:hlinkClick r:id="rId2"/>
+              </a:rPr>
+              <a:t>https://hu.wikipedia.org/wiki/Perif%C3%A9ria_(hardver)</a:t>
+            </a:r>
+            <a:endParaRPr lang="hu-HU" dirty="0" smtClean="0"/>
+          </a:p>
+          <a:p>
+            <a:r>
+              <a:rPr lang="hu-HU" dirty="0">
+                <a:hlinkClick r:id="rId3"/>
+              </a:rPr>
+              <a:t>https://</a:t>
+            </a:r>
+            <a:r>
+              <a:rPr lang="hu-HU" dirty="0" smtClean="0">
+                <a:hlinkClick r:id="rId3"/>
+              </a:rPr>
+              <a:t>hu.wikipedia.org/wiki/Merevlemez</a:t>
+            </a:r>
+            <a:endParaRPr lang="hu-HU" dirty="0" smtClean="0"/>
+          </a:p>
+          <a:p>
+            <a:r>
+              <a:rPr lang="hu-HU" dirty="0">
+                <a:hlinkClick r:id="rId4"/>
+              </a:rPr>
+              <a:t>https://</a:t>
+            </a:r>
+            <a:r>
+              <a:rPr lang="hu-HU" dirty="0" smtClean="0">
+                <a:hlinkClick r:id="rId4"/>
+              </a:rPr>
+              <a:t>www.dvdolcson.eu/bemeneti-es-kimeneti-periferiak</a:t>
+            </a:r>
+            <a:endParaRPr lang="hu-HU" dirty="0" smtClean="0"/>
+          </a:p>
+          <a:p>
+            <a:endParaRPr lang="hu-HU" dirty="0" smtClean="0"/>
+          </a:p>
+          <a:p>
+            <a:endParaRPr lang="hu-HU" dirty="0"/>
+          </a:p>
+        </p:txBody>
+      </p:sp>
+    </p:spTree>
+    <p:extLst>
+      <p:ext uri="{BB962C8B-B14F-4D97-AF65-F5344CB8AC3E}">
+        <p14:creationId xmlns:p14="http://schemas.microsoft.com/office/powerpoint/2010/main" val="266278938"/>
+      </p:ext>
+    </p:extLst>
+  </p:cSld>
+  <p:clrMapOvr>
+    <a:masterClrMapping/>
+  </p:clrMapOvr>
+  <p:timing>
+    <p:tnLst>
+      <p:par>
+        <p:cTn id="1" dur="indefinite" restart="never" nodeType="tmRoot"/>
+      </p:par>
+    </p:tnLst>
+  </p:timing>
+</p:sld>
+</file>
+
+<file path=ppt/slides/slide14.xml><?xml version="1.0" encoding="utf-8"?>
+<p:sld xmlns:a="http://schemas.openxmlformats.org/drawingml/2006/main" xmlns:r="http://schemas.openxmlformats.org/officeDocument/2006/relationships" xmlns:p="http://schemas.openxmlformats.org/presentationml/2006/main">
+  <p:cSld>
+    <p:spTree>
+      <p:nvGrpSpPr>
+        <p:cNvPr id="1" name=""/>
+        <p:cNvGrpSpPr/>
+        <p:nvPr/>
+      </p:nvGrpSpPr>
+      <p:grpSpPr>
+        <a:xfrm>
+          <a:off x="0" y="0"/>
+          <a:ext cx="0" cy="0"/>
+          <a:chOff x="0" y="0"/>
+          <a:chExt cx="0" cy="0"/>
+        </a:xfrm>
+      </p:grpSpPr>
+      <p:sp>
+        <p:nvSpPr>
+          <p:cNvPr id="2" name="Cím 1"/>
+          <p:cNvSpPr>
+            <a:spLocks noGrp="1"/>
+          </p:cNvSpPr>
+          <p:nvPr>
+            <p:ph type="title"/>
+          </p:nvPr>
+        </p:nvSpPr>
         <p:spPr>
           <a:xfrm>
             <a:off x="1160463" y="2409825"/>
@@ -6380,16 +6570,18 @@
         </p:nvSpPr>
         <p:spPr>
           <a:xfrm>
-            <a:off x="657224" y="514349"/>
-            <a:ext cx="3143251" cy="1148081"/>
+            <a:off x="657224" y="264967"/>
+            <a:ext cx="4820863" cy="1148081"/>
           </a:xfrm>
         </p:spPr>
         <p:txBody>
-          <a:bodyPr/>
+          <a:bodyPr>
+            <a:noAutofit/>
+          </a:bodyPr>
           <a:lstStyle/>
           <a:p>
             <a:r>
-              <a:rPr lang="hu-HU" b="1" u="sng" spc="300" dirty="0" smtClean="0">
+              <a:rPr lang="hu-HU" sz="4400" b="1" u="sng" spc="300" dirty="0" smtClean="0">
                 <a:effectLst>
                   <a:outerShdw blurRad="38100" dist="38100" dir="2700000" algn="tl">
                     <a:srgbClr val="000000">
@@ -6397,10 +6589,12 @@
                     </a:srgbClr>
                   </a:outerShdw>
                 </a:effectLst>
+                <a:latin typeface="Times New Roman" panose="02020603050405020304" pitchFamily="18" charset="0"/>
+                <a:cs typeface="Times New Roman" panose="02020603050405020304" pitchFamily="18" charset="0"/>
               </a:rPr>
               <a:t>Fogalma</a:t>
             </a:r>
-            <a:endParaRPr lang="hu-HU" b="1" u="sng" spc="300" dirty="0">
+            <a:endParaRPr lang="hu-HU" sz="4400" b="1" u="sng" spc="300" dirty="0">
               <a:effectLst>
                 <a:outerShdw blurRad="38100" dist="38100" dir="2700000" algn="tl">
                   <a:srgbClr val="000000">
@@ -6408,6 +6602,8 @@
                   </a:srgbClr>
                 </a:outerShdw>
               </a:effectLst>
+              <a:latin typeface="Times New Roman" panose="02020603050405020304" pitchFamily="18" charset="0"/>
+              <a:cs typeface="Times New Roman" panose="02020603050405020304" pitchFamily="18" charset="0"/>
             </a:endParaRPr>
           </a:p>
         </p:txBody>
@@ -6424,8 +6620,8 @@
         </p:nvSpPr>
         <p:spPr>
           <a:xfrm>
-            <a:off x="657224" y="1924050"/>
-            <a:ext cx="10753725" cy="647700"/>
+            <a:off x="657223" y="1475509"/>
+            <a:ext cx="10753725" cy="1118062"/>
           </a:xfrm>
           <a:solidFill>
             <a:schemeClr val="bg1"/>
@@ -6433,7 +6629,7 @@
         </p:spPr>
         <p:txBody>
           <a:bodyPr>
-            <a:normAutofit lnSpcReduction="10000"/>
+            <a:noAutofit/>
           </a:bodyPr>
           <a:lstStyle/>
           <a:p>
@@ -6441,49 +6637,49 @@
               <a:buNone/>
             </a:pPr>
             <a:r>
-              <a:rPr lang="hu-HU" dirty="0">
+              <a:rPr lang="hu-HU" sz="2800" dirty="0">
                 <a:latin typeface="Times New Roman" panose="02020603050405020304" pitchFamily="18" charset="0"/>
                 <a:cs typeface="Times New Roman" panose="02020603050405020304" pitchFamily="18" charset="0"/>
               </a:rPr>
               <a:t>A </a:t>
             </a:r>
             <a:r>
-              <a:rPr lang="hu-HU" b="1" dirty="0">
+              <a:rPr lang="hu-HU" sz="2800" b="1" dirty="0">
                 <a:latin typeface="Times New Roman" panose="02020603050405020304" pitchFamily="18" charset="0"/>
                 <a:cs typeface="Times New Roman" panose="02020603050405020304" pitchFamily="18" charset="0"/>
               </a:rPr>
               <a:t>periféria</a:t>
             </a:r>
             <a:r>
-              <a:rPr lang="hu-HU" dirty="0">
+              <a:rPr lang="hu-HU" sz="2800" dirty="0">
                 <a:latin typeface="Times New Roman" panose="02020603050405020304" pitchFamily="18" charset="0"/>
                 <a:cs typeface="Times New Roman" panose="02020603050405020304" pitchFamily="18" charset="0"/>
               </a:rPr>
               <a:t> egy olyan számítógépes </a:t>
             </a:r>
             <a:r>
-              <a:rPr lang="hu-HU" dirty="0" smtClean="0">
+              <a:rPr lang="hu-HU" sz="2800" dirty="0" smtClean="0">
                 <a:latin typeface="Times New Roman" panose="02020603050405020304" pitchFamily="18" charset="0"/>
                 <a:cs typeface="Times New Roman" panose="02020603050405020304" pitchFamily="18" charset="0"/>
               </a:rPr>
               <a:t>hardver, </a:t>
             </a:r>
             <a:r>
-              <a:rPr lang="hu-HU" dirty="0">
+              <a:rPr lang="hu-HU" sz="2800" dirty="0">
                 <a:latin typeface="Times New Roman" panose="02020603050405020304" pitchFamily="18" charset="0"/>
                 <a:cs typeface="Times New Roman" panose="02020603050405020304" pitchFamily="18" charset="0"/>
               </a:rPr>
               <a:t>amivel egy gazda </a:t>
             </a:r>
             <a:r>
-              <a:rPr lang="hu-HU" dirty="0" smtClean="0">
+              <a:rPr lang="hu-HU" sz="2800" dirty="0" smtClean="0">
                 <a:latin typeface="Times New Roman" panose="02020603050405020304" pitchFamily="18" charset="0"/>
                 <a:cs typeface="Times New Roman" panose="02020603050405020304" pitchFamily="18" charset="0"/>
               </a:rPr>
               <a:t>számítógép</a:t>
             </a:r>
             <a:r>
-              <a:rPr lang="hu-HU" dirty="0">
+              <a:rPr lang="hu-HU" sz="2800" dirty="0">
                 <a:latin typeface="Times New Roman" panose="02020603050405020304" pitchFamily="18" charset="0"/>
                 <a:cs typeface="Times New Roman" panose="02020603050405020304" pitchFamily="18" charset="0"/>
               </a:rPr>
@@ -6635,8 +6831,8 @@
         </p:nvSpPr>
         <p:spPr>
           <a:xfrm>
-            <a:off x="838200" y="1790700"/>
-            <a:ext cx="4857750" cy="1692275"/>
+            <a:off x="838200" y="1305118"/>
+            <a:ext cx="4857750" cy="2468859"/>
           </a:xfrm>
         </p:spPr>
         <p:txBody>
@@ -6650,7 +6846,7 @@
               <a:buChar char="•"/>
             </a:pPr>
             <a:r>
-              <a:rPr lang="hu-HU" sz="3600" spc="300" dirty="0" smtClean="0">
+              <a:rPr lang="hu-HU" sz="4000" spc="300" dirty="0" smtClean="0">
                 <a:solidFill>
                   <a:schemeClr val="bg1"/>
                 </a:solidFill>
@@ -6666,7 +6862,7 @@
               <a:buChar char="•"/>
             </a:pPr>
             <a:r>
-              <a:rPr lang="hu-HU" sz="3600" spc="300" dirty="0" smtClean="0">
+              <a:rPr lang="hu-HU" sz="4000" spc="300" dirty="0" smtClean="0">
                 <a:solidFill>
                   <a:schemeClr val="bg1"/>
                 </a:solidFill>
@@ -6682,7 +6878,7 @@
               <a:buChar char="•"/>
             </a:pPr>
             <a:r>
-              <a:rPr lang="hu-HU" sz="3600" spc="300" dirty="0" smtClean="0">
+              <a:rPr lang="hu-HU" sz="4000" spc="300" dirty="0" smtClean="0">
                 <a:solidFill>
                   <a:schemeClr val="bg1"/>
                 </a:solidFill>
@@ -6691,7 +6887,7 @@
               </a:rPr>
               <a:t>Kimeneti</a:t>
             </a:r>
-            <a:endParaRPr lang="hu-HU" sz="3600" spc="300" dirty="0">
+            <a:endParaRPr lang="hu-HU" sz="4000" spc="300" dirty="0">
               <a:solidFill>
                 <a:schemeClr val="bg1"/>
               </a:solidFill>
@@ -7136,19 +7332,21 @@
         </p:nvSpPr>
         <p:spPr>
           <a:xfrm>
-            <a:off x="1141413" y="485775"/>
-            <a:ext cx="3078162" cy="1390650"/>
+            <a:off x="1141413" y="327833"/>
+            <a:ext cx="3078162" cy="878204"/>
           </a:xfrm>
         </p:spPr>
         <p:txBody>
-          <a:bodyPr/>
+          <a:bodyPr>
+            <a:normAutofit/>
+          </a:bodyPr>
           <a:lstStyle/>
           <a:p>
             <a:r>
-              <a:rPr lang="hu-HU" dirty="0" smtClean="0"/>
+              <a:rPr lang="hu-HU" sz="4000" b="1" dirty="0" smtClean="0"/>
               <a:t>Háttértár</a:t>
             </a:r>
-            <a:endParaRPr lang="hu-HU" dirty="0"/>
+            <a:endParaRPr lang="hu-HU" sz="4000" b="1" dirty="0"/>
           </a:p>
         </p:txBody>
       </p:sp>
@@ -7164,8 +7362,8 @@
         </p:nvSpPr>
         <p:spPr>
           <a:xfrm>
-            <a:off x="1141413" y="1363979"/>
-            <a:ext cx="7269162" cy="1911236"/>
+            <a:off x="1141413" y="574269"/>
+            <a:ext cx="7269162" cy="2908763"/>
           </a:xfrm>
         </p:spPr>
         <p:txBody>
@@ -7185,7 +7383,7 @@
           </a:p>
           <a:p>
             <a:r>
-              <a:rPr lang="hu-HU" sz="2800" dirty="0">
+              <a:rPr lang="hu-HU" sz="3200" dirty="0">
                 <a:effectLst/>
                 <a:latin typeface="Times New Roman" panose="02020603050405020304" pitchFamily="18" charset="0"/>
                 <a:cs typeface="Times New Roman" panose="02020603050405020304" pitchFamily="18" charset="0"/>
@@ -7193,7 +7391,7 @@
               <a:t>N</a:t>
             </a:r>
             <a:r>
-              <a:rPr lang="hu-HU" sz="2800" dirty="0" smtClean="0">
+              <a:rPr lang="hu-HU" sz="3200" dirty="0" smtClean="0">
                 <a:effectLst/>
                 <a:latin typeface="Times New Roman" panose="02020603050405020304" pitchFamily="18" charset="0"/>
                 <a:cs typeface="Times New Roman" panose="02020603050405020304" pitchFamily="18" charset="0"/>
@@ -7201,7 +7399,7 @@
               <a:t>agy </a:t>
             </a:r>
             <a:r>
-              <a:rPr lang="hu-HU" sz="2800" dirty="0">
+              <a:rPr lang="hu-HU" sz="3200" dirty="0">
                 <a:effectLst/>
                 <a:latin typeface="Times New Roman" panose="02020603050405020304" pitchFamily="18" charset="0"/>
                 <a:cs typeface="Times New Roman" panose="02020603050405020304" pitchFamily="18" charset="0"/>
@@ -7209,7 +7407,7 @@
               <a:t>mennyiségű </a:t>
             </a:r>
             <a:r>
-              <a:rPr lang="hu-HU" sz="2800" dirty="0" smtClean="0">
+              <a:rPr lang="hu-HU" sz="3200" dirty="0" smtClean="0">
                 <a:effectLst/>
                 <a:latin typeface="Times New Roman" panose="02020603050405020304" pitchFamily="18" charset="0"/>
                 <a:cs typeface="Times New Roman" panose="02020603050405020304" pitchFamily="18" charset="0"/>
@@ -7217,7 +7415,7 @@
               <a:t>adatot</a:t>
             </a:r>
             <a:r>
-              <a:rPr lang="hu-HU" sz="2800" dirty="0">
+              <a:rPr lang="hu-HU" sz="3200" dirty="0">
                 <a:effectLst/>
                 <a:latin typeface="Times New Roman" panose="02020603050405020304" pitchFamily="18" charset="0"/>
                 <a:cs typeface="Times New Roman" panose="02020603050405020304" pitchFamily="18" charset="0"/>
@@ -7225,7 +7423,7 @@
               <a:t> képes </a:t>
             </a:r>
             <a:r>
-              <a:rPr lang="hu-HU" sz="2800" dirty="0" smtClean="0">
+              <a:rPr lang="hu-HU" sz="3200" dirty="0" smtClean="0">
                 <a:effectLst/>
                 <a:latin typeface="Times New Roman" panose="02020603050405020304" pitchFamily="18" charset="0"/>
                 <a:cs typeface="Times New Roman" panose="02020603050405020304" pitchFamily="18" charset="0"/>
@@ -7235,14 +7433,14 @@
           </a:p>
           <a:p>
             <a:r>
-              <a:rPr lang="hu-HU" sz="2800" dirty="0">
+              <a:rPr lang="hu-HU" sz="3200" dirty="0">
                 <a:effectLst/>
                 <a:latin typeface="Times New Roman" panose="02020603050405020304" pitchFamily="18" charset="0"/>
                 <a:cs typeface="Times New Roman" panose="02020603050405020304" pitchFamily="18" charset="0"/>
               </a:rPr>
               <a:t>a számítógép kikapcsolása után is megőrzi.</a:t>
             </a:r>
-            <a:endParaRPr lang="hu-HU" sz="3600" dirty="0">
+            <a:endParaRPr lang="hu-HU" sz="4000" dirty="0">
               <a:latin typeface="Times New Roman" panose="02020603050405020304" pitchFamily="18" charset="0"/>
               <a:cs typeface="Times New Roman" panose="02020603050405020304" pitchFamily="18" charset="0"/>
             </a:endParaRPr>
@@ -7563,20 +7761,28 @@
         </p:nvSpPr>
         <p:spPr>
           <a:xfrm>
-            <a:off x="1141413" y="461962"/>
-            <a:ext cx="9905998" cy="1905000"/>
+            <a:off x="4080720" y="466725"/>
+            <a:ext cx="3397336" cy="735070"/>
           </a:xfrm>
         </p:spPr>
         <p:txBody>
-          <a:bodyPr/>
+          <a:bodyPr>
+            <a:noAutofit/>
+          </a:bodyPr>
           <a:lstStyle/>
           <a:p>
             <a:pPr algn="ctr"/>
             <a:r>
-              <a:rPr lang="hu-HU" dirty="0" smtClean="0"/>
+              <a:rPr lang="hu-HU" sz="4000" b="1" dirty="0" smtClean="0">
+                <a:latin typeface="Times New Roman" panose="02020603050405020304" pitchFamily="18" charset="0"/>
+                <a:cs typeface="Times New Roman" panose="02020603050405020304" pitchFamily="18" charset="0"/>
+              </a:rPr>
               <a:t>Hdd vs SSd</a:t>
             </a:r>
-            <a:endParaRPr lang="hu-HU" dirty="0"/>
+            <a:endParaRPr lang="hu-HU" sz="4000" b="1" dirty="0">
+              <a:latin typeface="Times New Roman" panose="02020603050405020304" pitchFamily="18" charset="0"/>
+              <a:cs typeface="Times New Roman" panose="02020603050405020304" pitchFamily="18" charset="0"/>
+            </a:endParaRPr>
           </a:p>
         </p:txBody>
       </p:sp>
@@ -7592,28 +7798,49 @@
         </p:nvSpPr>
         <p:spPr>
           <a:xfrm>
-            <a:off x="1141413" y="1511877"/>
-            <a:ext cx="3678237" cy="3800475"/>
+            <a:off x="367680" y="1198245"/>
+            <a:ext cx="6689826" cy="1910715"/>
           </a:xfrm>
         </p:spPr>
         <p:txBody>
-          <a:bodyPr/>
+          <a:bodyPr>
+            <a:noAutofit/>
+          </a:bodyPr>
           <a:lstStyle/>
           <a:p>
             <a:r>
-              <a:rPr lang="hu-HU" dirty="0" smtClean="0">
+              <a:rPr lang="hu-HU" sz="2800" dirty="0" smtClean="0">
                 <a:effectLst/>
+                <a:latin typeface="Times New Roman" panose="02020603050405020304" pitchFamily="18" charset="0"/>
+                <a:cs typeface="Times New Roman" panose="02020603050405020304" pitchFamily="18" charset="0"/>
               </a:rPr>
               <a:t>Nagyobb tároló kapacitás</a:t>
             </a:r>
           </a:p>
           <a:p>
             <a:r>
-              <a:rPr lang="hu-HU" dirty="0" smtClean="0">
+              <a:rPr lang="hu-HU" sz="2800" dirty="0" smtClean="0">
                 <a:effectLst/>
+                <a:latin typeface="Times New Roman" panose="02020603050405020304" pitchFamily="18" charset="0"/>
+                <a:cs typeface="Times New Roman" panose="02020603050405020304" pitchFamily="18" charset="0"/>
               </a:rPr>
-              <a:t>olcsóbb</a:t>
-            </a:r>
+              <a:t>Olcsóbb</a:t>
+            </a:r>
+          </a:p>
+          <a:p>
+            <a:r>
+              <a:rPr lang="hu-HU" sz="2800" dirty="0" smtClean="0">
+                <a:effectLst/>
+                <a:latin typeface="Times New Roman" panose="02020603050405020304" pitchFamily="18" charset="0"/>
+                <a:cs typeface="Times New Roman" panose="02020603050405020304" pitchFamily="18" charset="0"/>
+              </a:rPr>
+              <a:t>Egyszerűbb visszanyerni az adatokat</a:t>
+            </a:r>
+            <a:endParaRPr lang="hu-HU" sz="2800" dirty="0" smtClean="0">
+              <a:effectLst/>
+              <a:latin typeface="Times New Roman" panose="02020603050405020304" pitchFamily="18" charset="0"/>
+              <a:cs typeface="Times New Roman" panose="02020603050405020304" pitchFamily="18" charset="0"/>
+            </a:endParaRPr>
           </a:p>
         </p:txBody>
       </p:sp>
@@ -7627,8 +7854,8 @@
         </p:nvSpPr>
         <p:spPr>
           <a:xfrm>
-            <a:off x="8458200" y="466725"/>
-            <a:ext cx="4008436" cy="3800475"/>
+            <a:off x="7734993" y="1201795"/>
+            <a:ext cx="4008436" cy="2725362"/>
           </a:xfrm>
           <a:prstGeom prst="rect">
             <a:avLst/>
@@ -8080,8 +8307,8 @@
         </p:nvSpPr>
         <p:spPr>
           <a:xfrm>
-            <a:off x="7594514" y="1511876"/>
-            <a:ext cx="3678237" cy="3800475"/>
+            <a:off x="8430952" y="1607343"/>
+            <a:ext cx="3678237" cy="2537202"/>
           </a:xfrm>
           <a:prstGeom prst="rect">
             <a:avLst/>
@@ -8089,7 +8316,7 @@
         </p:spPr>
         <p:txBody>
           <a:bodyPr vert="horz" lIns="91440" tIns="45720" rIns="91440" bIns="45720" rtlCol="0" anchor="ctr">
-            <a:normAutofit/>
+            <a:noAutofit/>
           </a:bodyPr>
           <a:lstStyle>
             <a:lvl1pPr marL="285750" indent="-285750" algn="l" defTabSz="457200" rtl="0" eaLnBrk="1" latinLnBrk="0" hangingPunct="1">
@@ -8518,22 +8745,91 @@
           </a:lstStyle>
           <a:p>
             <a:r>
-              <a:rPr lang="hu-HU" dirty="0" smtClean="0">
+              <a:rPr lang="hu-HU" sz="2800" dirty="0" smtClean="0">
                 <a:effectLst/>
+                <a:latin typeface="Times New Roman" panose="02020603050405020304" pitchFamily="18" charset="0"/>
+                <a:cs typeface="Times New Roman" panose="02020603050405020304" pitchFamily="18" charset="0"/>
               </a:rPr>
               <a:t>Kisebb sérülésveszély</a:t>
             </a:r>
           </a:p>
           <a:p>
             <a:r>
-              <a:rPr lang="hu-HU" dirty="0" smtClean="0">
+              <a:rPr lang="hu-HU" sz="2800" dirty="0" smtClean="0">
                 <a:effectLst/>
+                <a:latin typeface="Times New Roman" panose="02020603050405020304" pitchFamily="18" charset="0"/>
+                <a:cs typeface="Times New Roman" panose="02020603050405020304" pitchFamily="18" charset="0"/>
               </a:rPr>
               <a:t>Gyorsabb</a:t>
             </a:r>
           </a:p>
-        </p:txBody>
-      </p:sp>
+          <a:p>
+            <a:r>
+              <a:rPr lang="hu-HU" sz="2800" dirty="0" smtClean="0">
+                <a:effectLst/>
+                <a:latin typeface="Times New Roman" panose="02020603050405020304" pitchFamily="18" charset="0"/>
+                <a:cs typeface="Times New Roman" panose="02020603050405020304" pitchFamily="18" charset="0"/>
+              </a:rPr>
+              <a:t>Kevesebb energiát használ</a:t>
+            </a:r>
+          </a:p>
+          <a:p>
+            <a:r>
+              <a:rPr lang="hu-HU" sz="2800" dirty="0" smtClean="0">
+                <a:effectLst/>
+                <a:latin typeface="Times New Roman" panose="02020603050405020304" pitchFamily="18" charset="0"/>
+                <a:cs typeface="Times New Roman" panose="02020603050405020304" pitchFamily="18" charset="0"/>
+              </a:rPr>
+              <a:t>Kisebb</a:t>
+            </a:r>
+          </a:p>
+          <a:p>
+            <a:r>
+              <a:rPr lang="hu-HU" sz="2800" dirty="0" smtClean="0">
+                <a:effectLst/>
+                <a:latin typeface="Times New Roman" panose="02020603050405020304" pitchFamily="18" charset="0"/>
+                <a:cs typeface="Times New Roman" panose="02020603050405020304" pitchFamily="18" charset="0"/>
+              </a:rPr>
+              <a:t>halkabb</a:t>
+            </a:r>
+            <a:endParaRPr lang="hu-HU" sz="2800" dirty="0" smtClean="0">
+              <a:effectLst/>
+              <a:latin typeface="Times New Roman" panose="02020603050405020304" pitchFamily="18" charset="0"/>
+              <a:cs typeface="Times New Roman" panose="02020603050405020304" pitchFamily="18" charset="0"/>
+            </a:endParaRPr>
+          </a:p>
+        </p:txBody>
+      </p:sp>
+      <p:pic>
+        <p:nvPicPr>
+          <p:cNvPr id="6" name="Kép 5"/>
+          <p:cNvPicPr>
+            <a:picLocks noChangeAspect="1"/>
+          </p:cNvPicPr>
+          <p:nvPr/>
+        </p:nvPicPr>
+        <p:blipFill>
+          <a:blip r:embed="rId2">
+            <a:extLst>
+              <a:ext uri="{28A0092B-C50C-407E-A947-70E740481C1C}">
+                <a14:useLocalDpi xmlns:a14="http://schemas.microsoft.com/office/drawing/2010/main" val="0"/>
+              </a:ext>
+            </a:extLst>
+          </a:blip>
+          <a:stretch>
+            <a:fillRect/>
+          </a:stretch>
+        </p:blipFill>
+        <p:spPr>
+          <a:xfrm>
+            <a:off x="2387829" y="3283527"/>
+            <a:ext cx="5704379" cy="3208713"/>
+          </a:xfrm>
+          <a:prstGeom prst="rect">
+            <a:avLst/>
+          </a:prstGeom>
+        </p:spPr>
+      </p:pic>
     </p:spTree>
     <p:extLst>
       <p:ext uri="{BB962C8B-B14F-4D97-AF65-F5344CB8AC3E}">
@@ -8581,16 +8877,29 @@
             <p:ph type="title"/>
           </p:nvPr>
         </p:nvSpPr>
-        <p:spPr/>
-        <p:txBody>
-          <a:bodyPr/>
+        <p:spPr>
+          <a:xfrm>
+            <a:off x="1141412" y="609600"/>
+            <a:ext cx="4162107" cy="994756"/>
+          </a:xfrm>
+        </p:spPr>
+        <p:txBody>
+          <a:bodyPr>
+            <a:noAutofit/>
+          </a:bodyPr>
           <a:lstStyle/>
           <a:p>
             <a:r>
-              <a:rPr lang="hu-HU" dirty="0" smtClean="0"/>
+              <a:rPr lang="hu-HU" sz="4400" b="1" dirty="0" smtClean="0">
+                <a:latin typeface="Times New Roman" panose="02020603050405020304" pitchFamily="18" charset="0"/>
+                <a:cs typeface="Times New Roman" panose="02020603050405020304" pitchFamily="18" charset="0"/>
+              </a:rPr>
               <a:t>Bemeneti</a:t>
             </a:r>
-            <a:endParaRPr lang="hu-HU" dirty="0"/>
+            <a:endParaRPr lang="hu-HU" sz="4400" b="1" dirty="0">
+              <a:latin typeface="Times New Roman" panose="02020603050405020304" pitchFamily="18" charset="0"/>
+              <a:cs typeface="Times New Roman" panose="02020603050405020304" pitchFamily="18" charset="0"/>
+            </a:endParaRPr>
           </a:p>
         </p:txBody>
       </p:sp>
@@ -8618,7 +8927,7 @@
         </p:blipFill>
         <p:spPr>
           <a:xfrm>
-            <a:off x="323266" y="3551178"/>
+            <a:off x="1141412" y="3551178"/>
             <a:ext cx="4089163" cy="3009624"/>
           </a:xfrm>
         </p:spPr>
@@ -8645,8 +8954,8 @@
         </p:blipFill>
         <p:spPr>
           <a:xfrm>
-            <a:off x="7363326" y="3619081"/>
-            <a:ext cx="3922295" cy="2941721"/>
+            <a:off x="6773122" y="3548204"/>
+            <a:ext cx="4016798" cy="3012598"/>
           </a:xfrm>
           <a:prstGeom prst="rect">
             <a:avLst/>
@@ -8661,8 +8970,8 @@
         </p:nvSpPr>
         <p:spPr>
           <a:xfrm>
-            <a:off x="1141413" y="2029441"/>
-            <a:ext cx="6709611" cy="646331"/>
+            <a:off x="1141412" y="1792937"/>
+            <a:ext cx="7354194" cy="1569660"/>
           </a:xfrm>
           <a:prstGeom prst="rect">
             <a:avLst/>
@@ -8675,14 +8984,23 @@
           <a:lstStyle/>
           <a:p>
             <a:r>
-              <a:rPr lang="hu-HU" dirty="0"/>
+              <a:rPr lang="hu-HU" sz="3200" dirty="0">
+                <a:latin typeface="Times New Roman" panose="02020603050405020304" pitchFamily="18" charset="0"/>
+                <a:cs typeface="Times New Roman" panose="02020603050405020304" pitchFamily="18" charset="0"/>
+              </a:rPr>
               <a:t>Ezek azok az eszközök, amelyek a számítógépbe történő adatbevitelt biztosítják</a:t>
             </a:r>
             <a:r>
-              <a:rPr lang="hu-HU" dirty="0" smtClean="0"/>
+              <a:rPr lang="hu-HU" sz="3200" dirty="0" smtClean="0">
+                <a:latin typeface="Times New Roman" panose="02020603050405020304" pitchFamily="18" charset="0"/>
+                <a:cs typeface="Times New Roman" panose="02020603050405020304" pitchFamily="18" charset="0"/>
+              </a:rPr>
               <a:t>.</a:t>
             </a:r>
-            <a:endParaRPr lang="hu-HU" dirty="0"/>
+            <a:endParaRPr lang="hu-HU" sz="3200" dirty="0">
+              <a:latin typeface="Times New Roman" panose="02020603050405020304" pitchFamily="18" charset="0"/>
+              <a:cs typeface="Times New Roman" panose="02020603050405020304" pitchFamily="18" charset="0"/>
+            </a:endParaRPr>
           </a:p>
         </p:txBody>
       </p:sp>
@@ -8736,20 +9054,27 @@
         <p:spPr>
           <a:xfrm>
             <a:off x="1141413" y="302029"/>
-            <a:ext cx="9905998" cy="1905000"/>
+            <a:ext cx="5882842" cy="734847"/>
           </a:xfrm>
         </p:spPr>
         <p:txBody>
-          <a:bodyPr/>
+          <a:bodyPr>
+            <a:noAutofit/>
+          </a:bodyPr>
           <a:lstStyle/>
           <a:p>
             <a:r>
-              <a:rPr lang="hu-HU" b="1" dirty="0" smtClean="0">
+              <a:rPr lang="hu-HU" sz="4400" b="1" dirty="0" smtClean="0">
                 <a:effectLst/>
+                <a:latin typeface="Times New Roman" panose="02020603050405020304" pitchFamily="18" charset="0"/>
+                <a:cs typeface="Times New Roman" panose="02020603050405020304" pitchFamily="18" charset="0"/>
               </a:rPr>
               <a:t>Billentyűzet</a:t>
             </a:r>
-            <a:endParaRPr lang="hu-HU" dirty="0"/>
+            <a:endParaRPr lang="hu-HU" sz="4400" dirty="0">
+              <a:latin typeface="Times New Roman" panose="02020603050405020304" pitchFamily="18" charset="0"/>
+              <a:cs typeface="Times New Roman" panose="02020603050405020304" pitchFamily="18" charset="0"/>
+            </a:endParaRPr>
           </a:p>
         </p:txBody>
       </p:sp>
@@ -8765,21 +9090,34 @@
         </p:nvSpPr>
         <p:spPr>
           <a:xfrm>
-            <a:off x="1141413" y="1918855"/>
-            <a:ext cx="9905998" cy="774470"/>
+            <a:off x="1141413" y="1528157"/>
+            <a:ext cx="10396652" cy="1522614"/>
           </a:xfrm>
         </p:spPr>
         <p:txBody>
-          <a:bodyPr/>
+          <a:bodyPr>
+            <a:noAutofit/>
+          </a:bodyPr>
           <a:lstStyle/>
           <a:p>
             <a:r>
-              <a:rPr lang="hu-HU" dirty="0">
+              <a:rPr lang="hu-HU" sz="3200" dirty="0">
+                <a:solidFill>
+                  <a:schemeClr val="tx1"/>
+                </a:solidFill>
                 <a:effectLst/>
+                <a:latin typeface="Times New Roman" panose="02020603050405020304" pitchFamily="18" charset="0"/>
+                <a:cs typeface="Times New Roman" panose="02020603050405020304" pitchFamily="18" charset="0"/>
               </a:rPr>
               <a:t>A billentyűzet az írott szöveg bevitelére szolgál, valamint befolyásolható vele a számítógép működése. </a:t>
             </a:r>
-            <a:endParaRPr lang="hu-HU" dirty="0"/>
+            <a:endParaRPr lang="hu-HU" sz="3200" dirty="0">
+              <a:solidFill>
+                <a:schemeClr val="tx1"/>
+              </a:solidFill>
+              <a:latin typeface="Times New Roman" panose="02020603050405020304" pitchFamily="18" charset="0"/>
+              <a:cs typeface="Times New Roman" panose="02020603050405020304" pitchFamily="18" charset="0"/>
+            </a:endParaRPr>
           </a:p>
         </p:txBody>
       </p:sp>
@@ -8862,19 +9200,27 @@
         </p:nvSpPr>
         <p:spPr>
           <a:xfrm>
-            <a:off x="1141413" y="0"/>
-            <a:ext cx="9905998" cy="1905000"/>
+            <a:off x="1141413" y="407324"/>
+            <a:ext cx="6315103" cy="773084"/>
           </a:xfrm>
         </p:spPr>
         <p:txBody>
-          <a:bodyPr/>
+          <a:bodyPr>
+            <a:noAutofit/>
+          </a:bodyPr>
           <a:lstStyle/>
           <a:p>
             <a:r>
-              <a:rPr lang="hu-HU" dirty="0" smtClean="0"/>
+              <a:rPr lang="hu-HU" sz="4400" dirty="0" smtClean="0">
+                <a:latin typeface="Times New Roman" panose="02020603050405020304" pitchFamily="18" charset="0"/>
+                <a:cs typeface="Times New Roman" panose="02020603050405020304" pitchFamily="18" charset="0"/>
+              </a:rPr>
               <a:t>Egér / touchpad</a:t>
             </a:r>
-            <a:endParaRPr lang="hu-HU" dirty="0"/>
+            <a:endParaRPr lang="hu-HU" sz="4400" dirty="0">
+              <a:latin typeface="Times New Roman" panose="02020603050405020304" pitchFamily="18" charset="0"/>
+              <a:cs typeface="Times New Roman" panose="02020603050405020304" pitchFamily="18" charset="0"/>
+            </a:endParaRPr>
           </a:p>
         </p:txBody>
       </p:sp>
@@ -8902,43 +9248,78 @@
           <a:p>
             <a:r>
               <a:rPr lang="hu-HU" sz="2400" dirty="0" smtClean="0">
+                <a:solidFill>
+                  <a:schemeClr val="tx1"/>
+                </a:solidFill>
                 <a:effectLst/>
+                <a:latin typeface="Times New Roman" panose="02020603050405020304" pitchFamily="18" charset="0"/>
+                <a:cs typeface="Times New Roman" panose="02020603050405020304" pitchFamily="18" charset="0"/>
               </a:rPr>
               <a:t>Az egérkézi </a:t>
             </a:r>
             <a:r>
               <a:rPr lang="hu-HU" sz="2400" dirty="0">
+                <a:solidFill>
+                  <a:schemeClr val="tx1"/>
+                </a:solidFill>
                 <a:effectLst/>
+                <a:latin typeface="Times New Roman" panose="02020603050405020304" pitchFamily="18" charset="0"/>
+                <a:cs typeface="Times New Roman" panose="02020603050405020304" pitchFamily="18" charset="0"/>
               </a:rPr>
               <a:t>mutatóeszköz </a:t>
             </a:r>
             <a:r>
               <a:rPr lang="hu-HU" sz="2400" dirty="0" smtClean="0">
+                <a:solidFill>
+                  <a:schemeClr val="tx1"/>
+                </a:solidFill>
                 <a:effectLst/>
+                <a:latin typeface="Times New Roman" panose="02020603050405020304" pitchFamily="18" charset="0"/>
+                <a:cs typeface="Times New Roman" panose="02020603050405020304" pitchFamily="18" charset="0"/>
               </a:rPr>
               <a:t>számítógépekhez, </a:t>
             </a:r>
             <a:r>
               <a:rPr lang="hu-HU" sz="2400" dirty="0">
+                <a:solidFill>
+                  <a:schemeClr val="tx1"/>
+                </a:solidFill>
                 <a:effectLst/>
+                <a:latin typeface="Times New Roman" panose="02020603050405020304" pitchFamily="18" charset="0"/>
+                <a:cs typeface="Times New Roman" panose="02020603050405020304" pitchFamily="18" charset="0"/>
               </a:rPr>
               <a:t>egy kis, </a:t>
             </a:r>
             <a:r>
               <a:rPr lang="hu-HU" sz="2400" dirty="0" smtClean="0">
+                <a:solidFill>
+                  <a:schemeClr val="tx1"/>
+                </a:solidFill>
                 <a:effectLst/>
+                <a:latin typeface="Times New Roman" panose="02020603050405020304" pitchFamily="18" charset="0"/>
+                <a:cs typeface="Times New Roman" panose="02020603050405020304" pitchFamily="18" charset="0"/>
               </a:rPr>
               <a:t>kézhez álló </a:t>
             </a:r>
             <a:r>
               <a:rPr lang="hu-HU" sz="2400" dirty="0">
+                <a:solidFill>
+                  <a:schemeClr val="tx1"/>
+                </a:solidFill>
                 <a:effectLst/>
+                <a:latin typeface="Times New Roman" panose="02020603050405020304" pitchFamily="18" charset="0"/>
+                <a:cs typeface="Times New Roman" panose="02020603050405020304" pitchFamily="18" charset="0"/>
               </a:rPr>
               <a:t>tárgy egy vagy több gombbal</a:t>
             </a:r>
             <a:r>
               <a:rPr lang="hu-HU" sz="2400" dirty="0" smtClean="0">
+                <a:solidFill>
+                  <a:schemeClr val="tx1"/>
+                </a:solidFill>
                 <a:effectLst/>
+                <a:latin typeface="Times New Roman" panose="02020603050405020304" pitchFamily="18" charset="0"/>
+                <a:cs typeface="Times New Roman" panose="02020603050405020304" pitchFamily="18" charset="0"/>
               </a:rPr>
               <a:t>.</a:t>
             </a:r>
@@ -8946,41 +9327,77 @@
           <a:p>
             <a:r>
               <a:rPr lang="hu-HU" sz="2400" dirty="0" smtClean="0">
+                <a:solidFill>
+                  <a:schemeClr val="tx1"/>
+                </a:solidFill>
                 <a:effectLst/>
+                <a:latin typeface="Times New Roman" panose="02020603050405020304" pitchFamily="18" charset="0"/>
+                <a:cs typeface="Times New Roman" panose="02020603050405020304" pitchFamily="18" charset="0"/>
               </a:rPr>
               <a:t>A touchpad </a:t>
             </a:r>
             <a:r>
               <a:rPr lang="hu-HU" sz="2400" dirty="0">
+                <a:solidFill>
+                  <a:schemeClr val="tx1"/>
+                </a:solidFill>
                 <a:effectLst/>
+                <a:latin typeface="Times New Roman" panose="02020603050405020304" pitchFamily="18" charset="0"/>
+                <a:cs typeface="Times New Roman" panose="02020603050405020304" pitchFamily="18" charset="0"/>
               </a:rPr>
               <a:t>egy érintésen alapuló </a:t>
             </a:r>
             <a:r>
               <a:rPr lang="hu-HU" sz="2400" dirty="0" smtClean="0">
+                <a:solidFill>
+                  <a:schemeClr val="tx1"/>
+                </a:solidFill>
                 <a:effectLst/>
+                <a:latin typeface="Times New Roman" panose="02020603050405020304" pitchFamily="18" charset="0"/>
+                <a:cs typeface="Times New Roman" panose="02020603050405020304" pitchFamily="18" charset="0"/>
               </a:rPr>
               <a:t>mutatóezköz, </a:t>
             </a:r>
             <a:r>
               <a:rPr lang="hu-HU" sz="2400" dirty="0">
+                <a:solidFill>
+                  <a:schemeClr val="tx1"/>
+                </a:solidFill>
                 <a:effectLst/>
+                <a:latin typeface="Times New Roman" panose="02020603050405020304" pitchFamily="18" charset="0"/>
+                <a:cs typeface="Times New Roman" panose="02020603050405020304" pitchFamily="18" charset="0"/>
               </a:rPr>
               <a:t>amely a felhasználó ujjának helyzetét és mozgását alakítja bemenetté az </a:t>
             </a:r>
             <a:r>
               <a:rPr lang="hu-HU" sz="2400" dirty="0" smtClean="0">
+                <a:solidFill>
+                  <a:schemeClr val="tx1"/>
+                </a:solidFill>
                 <a:effectLst/>
+                <a:latin typeface="Times New Roman" panose="02020603050405020304" pitchFamily="18" charset="0"/>
+                <a:cs typeface="Times New Roman" panose="02020603050405020304" pitchFamily="18" charset="0"/>
               </a:rPr>
               <a:t>operációs rendszer</a:t>
             </a:r>
             <a:r>
               <a:rPr lang="hu-HU" sz="2400" dirty="0">
+                <a:solidFill>
+                  <a:schemeClr val="tx1"/>
+                </a:solidFill>
                 <a:effectLst/>
+                <a:latin typeface="Times New Roman" panose="02020603050405020304" pitchFamily="18" charset="0"/>
+                <a:cs typeface="Times New Roman" panose="02020603050405020304" pitchFamily="18" charset="0"/>
               </a:rPr>
               <a:t> számára.</a:t>
             </a:r>
-            <a:endParaRPr lang="hu-HU" sz="2400" dirty="0"/>
+            <a:endParaRPr lang="hu-HU" sz="2400" dirty="0">
+              <a:solidFill>
+                <a:schemeClr val="tx1"/>
+              </a:solidFill>
+              <a:latin typeface="Times New Roman" panose="02020603050405020304" pitchFamily="18" charset="0"/>
+              <a:cs typeface="Times New Roman" panose="02020603050405020304" pitchFamily="18" charset="0"/>
+            </a:endParaRPr>
           </a:p>
         </p:txBody>
       </p:sp>
@@ -9298,34 +9715,141 @@
         </p:nvSpPr>
         <p:spPr>
           <a:xfrm>
-            <a:off x="1141413" y="166119"/>
-            <a:ext cx="9905998" cy="1905000"/>
+            <a:off x="1141413" y="326967"/>
+            <a:ext cx="4901940" cy="1036320"/>
           </a:xfrm>
         </p:spPr>
         <p:txBody>
-          <a:bodyPr/>
+          <a:bodyPr>
+            <a:normAutofit/>
+          </a:bodyPr>
           <a:lstStyle/>
           <a:p>
             <a:r>
-              <a:rPr lang="hu-HU" dirty="0" smtClean="0"/>
-              <a:t>Kimeneti</a:t>
-            </a:r>
-            <a:endParaRPr lang="hu-HU" dirty="0"/>
+              <a:rPr lang="hu-HU" sz="4000" dirty="0" smtClean="0">
+                <a:latin typeface="Times New Roman" panose="02020603050405020304" pitchFamily="18" charset="0"/>
+                <a:cs typeface="Times New Roman" panose="02020603050405020304" pitchFamily="18" charset="0"/>
+              </a:rPr>
+              <a:t>webkamera</a:t>
+            </a:r>
+            <a:endParaRPr lang="hu-HU" sz="4000" dirty="0">
+              <a:latin typeface="Times New Roman" panose="02020603050405020304" pitchFamily="18" charset="0"/>
+              <a:cs typeface="Times New Roman" panose="02020603050405020304" pitchFamily="18" charset="0"/>
+            </a:endParaRPr>
+          </a:p>
+        </p:txBody>
+      </p:sp>
+      <p:sp>
+        <p:nvSpPr>
+          <p:cNvPr id="3" name="Tartalom helye 2"/>
+          <p:cNvSpPr>
+            <a:spLocks noGrp="1"/>
+          </p:cNvSpPr>
+          <p:nvPr>
+            <p:ph idx="1"/>
+          </p:nvPr>
+        </p:nvSpPr>
+        <p:spPr>
+          <a:xfrm>
+            <a:off x="1141413" y="1652848"/>
+            <a:ext cx="10047518" cy="1414548"/>
+          </a:xfrm>
+        </p:spPr>
+        <p:txBody>
+          <a:bodyPr>
+            <a:noAutofit/>
+          </a:bodyPr>
+          <a:lstStyle/>
+          <a:p>
+            <a:r>
+              <a:rPr lang="hu-HU" sz="3200" dirty="0">
+                <a:effectLst/>
+                <a:latin typeface="Times New Roman" panose="02020603050405020304" pitchFamily="18" charset="0"/>
+                <a:cs typeface="Times New Roman" panose="02020603050405020304" pitchFamily="18" charset="0"/>
+              </a:rPr>
+              <a:t>A </a:t>
+            </a:r>
+            <a:r>
+              <a:rPr lang="hu-HU" sz="3200" b="1" dirty="0">
+                <a:effectLst/>
+                <a:latin typeface="Times New Roman" panose="02020603050405020304" pitchFamily="18" charset="0"/>
+                <a:cs typeface="Times New Roman" panose="02020603050405020304" pitchFamily="18" charset="0"/>
+              </a:rPr>
+              <a:t>webkamera</a:t>
+            </a:r>
+            <a:r>
+              <a:rPr lang="hu-HU" sz="3200" dirty="0">
+                <a:effectLst/>
+                <a:latin typeface="Times New Roman" panose="02020603050405020304" pitchFamily="18" charset="0"/>
+                <a:cs typeface="Times New Roman" panose="02020603050405020304" pitchFamily="18" charset="0"/>
+              </a:rPr>
+              <a:t> </a:t>
+            </a:r>
+            <a:r>
+              <a:rPr lang="hu-HU" sz="3200" dirty="0" smtClean="0">
+                <a:effectLst/>
+                <a:latin typeface="Times New Roman" panose="02020603050405020304" pitchFamily="18" charset="0"/>
+                <a:cs typeface="Times New Roman" panose="02020603050405020304" pitchFamily="18" charset="0"/>
+              </a:rPr>
+              <a:t>internetkapcsolattal</a:t>
+            </a:r>
+            <a:r>
+              <a:rPr lang="hu-HU" sz="3200" dirty="0">
+                <a:effectLst/>
+                <a:latin typeface="Times New Roman" panose="02020603050405020304" pitchFamily="18" charset="0"/>
+                <a:cs typeface="Times New Roman" panose="02020603050405020304" pitchFamily="18" charset="0"/>
+              </a:rPr>
+              <a:t> rendelkező </a:t>
+            </a:r>
+            <a:r>
+              <a:rPr lang="hu-HU" sz="3200" dirty="0" smtClean="0">
+                <a:effectLst/>
+                <a:latin typeface="Times New Roman" panose="02020603050405020304" pitchFamily="18" charset="0"/>
+                <a:cs typeface="Times New Roman" panose="02020603050405020304" pitchFamily="18" charset="0"/>
+              </a:rPr>
+              <a:t>számítógépekhez</a:t>
+            </a:r>
+            <a:r>
+              <a:rPr lang="hu-HU" sz="3200" dirty="0">
+                <a:effectLst/>
+                <a:latin typeface="Times New Roman" panose="02020603050405020304" pitchFamily="18" charset="0"/>
+                <a:cs typeface="Times New Roman" panose="02020603050405020304" pitchFamily="18" charset="0"/>
+              </a:rPr>
+              <a:t> kapcsolt kis </a:t>
+            </a:r>
+            <a:r>
+              <a:rPr lang="hu-HU" sz="3200" dirty="0" smtClean="0">
+                <a:effectLst/>
+                <a:latin typeface="Times New Roman" panose="02020603050405020304" pitchFamily="18" charset="0"/>
+                <a:cs typeface="Times New Roman" panose="02020603050405020304" pitchFamily="18" charset="0"/>
+              </a:rPr>
+              <a:t>videókamera, </a:t>
+            </a:r>
+            <a:r>
+              <a:rPr lang="hu-HU" sz="3200" dirty="0">
+                <a:effectLst/>
+                <a:latin typeface="Times New Roman" panose="02020603050405020304" pitchFamily="18" charset="0"/>
+                <a:cs typeface="Times New Roman" panose="02020603050405020304" pitchFamily="18" charset="0"/>
+              </a:rPr>
+              <a:t>melynek képét akár más internetezők is nézhetik</a:t>
+            </a:r>
+            <a:endParaRPr lang="hu-HU" sz="3200" dirty="0">
+              <a:latin typeface="Times New Roman" panose="02020603050405020304" pitchFamily="18" charset="0"/>
+              <a:cs typeface="Times New Roman" panose="02020603050405020304" pitchFamily="18" charset="0"/>
+            </a:endParaRPr>
           </a:p>
         </p:txBody>
       </p:sp>
       <p:pic>
         <p:nvPicPr>
-          <p:cNvPr id="4" name="Tartalom helye 3"/>
+          <p:cNvPr id="4" name="Kép 3"/>
           <p:cNvPicPr>
-            <a:picLocks noGrp="1" noChangeAspect="1"/>
+            <a:picLocks noChangeAspect="1"/>
           </p:cNvPicPr>
-          <p:nvPr>
-            <p:ph idx="1"/>
-          </p:nvPr>
+          <p:nvPr/>
         </p:nvPicPr>
         <p:blipFill>
-          <a:blip r:embed="rId2" cstate="print">
+          <a:blip r:embed="rId2">
             <a:extLst>
               <a:ext uri="{28A0092B-C50C-407E-A947-70E740481C1C}">
                 <a14:useLocalDpi xmlns:a14="http://schemas.microsoft.com/office/drawing/2010/main" val="0"/>
@@ -9338,63 +9862,8 @@
         </p:blipFill>
         <p:spPr>
           <a:xfrm>
-            <a:off x="241315" y="3858126"/>
-            <a:ext cx="5678221" cy="2725629"/>
-          </a:xfrm>
-        </p:spPr>
-      </p:pic>
-      <p:sp>
-        <p:nvSpPr>
-          <p:cNvPr id="5" name="Téglalap 4"/>
-          <p:cNvSpPr/>
-          <p:nvPr/>
-        </p:nvSpPr>
-        <p:spPr>
-          <a:xfrm>
-            <a:off x="1141413" y="2071119"/>
-            <a:ext cx="6096000" cy="646331"/>
-          </a:xfrm>
-          <a:prstGeom prst="rect">
-            <a:avLst/>
-          </a:prstGeom>
-        </p:spPr>
-        <p:txBody>
-          <a:bodyPr>
-            <a:spAutoFit/>
-          </a:bodyPr>
-          <a:lstStyle/>
-          <a:p>
-            <a:r>
-              <a:rPr lang="hu-HU" dirty="0"/>
-              <a:t>Ezeknek a perifériáknak köszönhetően jelenik meg az információ a számunkra.</a:t>
-            </a:r>
-          </a:p>
-        </p:txBody>
-      </p:sp>
-      <p:pic>
-        <p:nvPicPr>
-          <p:cNvPr id="6" name="Kép 5"/>
-          <p:cNvPicPr>
-            <a:picLocks noChangeAspect="1"/>
-          </p:cNvPicPr>
-          <p:nvPr/>
-        </p:nvPicPr>
-        <p:blipFill>
-          <a:blip r:embed="rId3">
-            <a:extLst>
-              <a:ext uri="{28A0092B-C50C-407E-A947-70E740481C1C}">
-                <a14:useLocalDpi xmlns:a14="http://schemas.microsoft.com/office/drawing/2010/main" val="0"/>
-              </a:ext>
-            </a:extLst>
-          </a:blip>
-          <a:stretch>
-            <a:fillRect/>
-          </a:stretch>
-        </p:blipFill>
-        <p:spPr>
-          <a:xfrm>
-            <a:off x="6924853" y="3274683"/>
-            <a:ext cx="4938284" cy="3309072"/>
+            <a:off x="4653742" y="3275214"/>
+            <a:ext cx="3326476" cy="3326476"/>
           </a:xfrm>
           <a:prstGeom prst="rect">
             <a:avLst/>
@@ -9404,20 +9873,13 @@
     </p:spTree>
     <p:extLst>
       <p:ext uri="{BB962C8B-B14F-4D97-AF65-F5344CB8AC3E}">
-        <p14:creationId xmlns:p14="http://schemas.microsoft.com/office/powerpoint/2010/main" val="1122758313"/>
+        <p14:creationId xmlns:p14="http://schemas.microsoft.com/office/powerpoint/2010/main" val="2780089491"/>
       </p:ext>
     </p:extLst>
   </p:cSld>
   <p:clrMapOvr>
     <a:masterClrMapping/>
   </p:clrMapOvr>
-  <p:timing>
-    <p:tnLst>
-      <p:par>
-        <p:cTn id="1" dur="indefinite" restart="never" nodeType="tmRoot"/>
-      </p:par>
-    </p:tnLst>
-  </p:timing>
 </p:sld>
 </file>
 
